--- a/Meetup PPT Demo.pptx
+++ b/Meetup PPT Demo.pptx
@@ -8,12 +8,12 @@
     <p:notesMasterId r:id="rId8"/>
   </p:notesMasterIdLst>
   <p:sldIdLst>
-    <p:sldId id="1847826704" r:id="rId2"/>
-    <p:sldId id="706570096" r:id="rId3"/>
-    <p:sldId id="1109469824" r:id="rId4"/>
-    <p:sldId id="1441122372" r:id="rId5"/>
-    <p:sldId id="1847826705" r:id="rId6"/>
-    <p:sldId id="1539986232" r:id="rId7"/>
+    <p:sldId id="122049561" r:id="rId2"/>
+    <p:sldId id="1619161753" r:id="rId3"/>
+    <p:sldId id="657442465" r:id="rId4"/>
+    <p:sldId id="98843632" r:id="rId5"/>
+    <p:sldId id="1619161754" r:id="rId6"/>
+    <p:sldId id="313552844" r:id="rId7"/>
   </p:sldIdLst>
   <p:sldSz cx="12192000" cy="6858000"/>
   <p:notesSz cx="6858000" cy="9144000"/>
@@ -2789,7 +2789,7 @@
           <a:p>
             <a:r>
               <a:rPr/>
-              <a:t>All data on this slide was extracted on 2017-06-21 10:02:46</a:t>
+              <a:t>All data on this slide was extracted on 2017-06-21 17:22:15</a:t>
             </a:r>
           </a:p>
         </p:txBody>
@@ -5698,7 +5698,7 @@
           <a:p>
             <a:r>
               <a:rPr/>
-              <a:t>All data on this slide was extracted on 2017-06-21 10:02:46</a:t>
+              <a:t>All data on this slide was extracted on 2017-06-21 17:22:15</a:t>
             </a:r>
           </a:p>
         </p:txBody>
@@ -8662,7 +8662,7 @@
           </a:lstStyle>
           <a:p>
             <a:r>
-              <a:rPr sz="1400">
+              <a:rPr sz="1800">
                 <a:solidFill>
                   <a:srgbClr val="000000">
                     <a:alpha val="100000"/>
@@ -8677,7 +8677,7 @@
           </a:p>
           <a:p>
             <a:r>
-              <a:rPr sz="1400">
+              <a:rPr sz="1800">
                 <a:solidFill>
                   <a:srgbClr val="000000">
                     <a:alpha val="100000"/>
@@ -8692,7 +8692,7 @@
           </a:p>
           <a:p>
             <a:r>
-              <a:rPr sz="1400">
+              <a:rPr sz="1800">
                 <a:solidFill>
                   <a:srgbClr val="000000">
                     <a:alpha val="100000"/>
@@ -8707,7 +8707,7 @@
           </a:p>
           <a:p>
             <a:r>
-              <a:rPr sz="1400">
+              <a:rPr sz="1800">
                 <a:solidFill>
                   <a:srgbClr val="000000">
                     <a:alpha val="100000"/>
@@ -8769,7 +8769,7 @@
           <a:p>
             <a:r>
               <a:rPr/>
-              <a:t>All data on this slide was extracted on 2017-06-21 10:02:46</a:t>
+              <a:t>All data on this slide was extracted on 2017-06-21 17:22:15</a:t>
             </a:r>
           </a:p>
         </p:txBody>
@@ -12658,7 +12658,7 @@
     </p:spTree>
     <p:extLst>
       <p:ext uri="{BB962C8B-B14F-4D97-AF65-F5344CB8AC3E}">
-        <p14:creationId xmlns:p14="http://schemas.microsoft.com/office/powerpoint/2010/main" val="1973749734"/>
+        <p14:creationId xmlns:p14="http://schemas.microsoft.com/office/powerpoint/2010/main" val="1541587540"/>
       </p:ext>
     </p:extLst>
   </p:cSld>
